--- a/CCT0686_PARADIGMAS_DE_LINGUAGENS_DE_PROGRAMACAO/CCT0656_PARADIGMAS_L_PROGI_Aula_08. - PA15.pptx
+++ b/CCT0686_PARADIGMAS_DE_LINGUAGENS_DE_PROGRAMACAO/CCT0656_PARADIGMAS_L_PROGI_Aula_08. - PA15.pptx
@@ -5,15 +5,19 @@
     <p:sldMasterId id="2147483725" r:id="rId1"/>
   </p:sldMasterIdLst>
   <p:notesMasterIdLst>
-    <p:notesMasterId r:id="rId5"/>
+    <p:notesMasterId r:id="rId9"/>
   </p:notesMasterIdLst>
   <p:handoutMasterIdLst>
-    <p:handoutMasterId r:id="rId6"/>
+    <p:handoutMasterId r:id="rId10"/>
   </p:handoutMasterIdLst>
   <p:sldIdLst>
     <p:sldId id="293" r:id="rId2"/>
     <p:sldId id="282" r:id="rId3"/>
     <p:sldId id="294" r:id="rId4"/>
+    <p:sldId id="297" r:id="rId5"/>
+    <p:sldId id="298" r:id="rId6"/>
+    <p:sldId id="299" r:id="rId7"/>
+    <p:sldId id="300" r:id="rId8"/>
   </p:sldIdLst>
   <p:sldSz cx="12192000" cy="6858000"/>
   <p:notesSz cx="9144000" cy="6858000"/>
@@ -214,7 +218,7 @@
           <a:p>
             <a:fld id="{0D6042A3-0B4D-4B7E-B5DF-C74B5157F851}" type="datetimeFigureOut">
               <a:rPr lang="pt-BR" smtClean="0"/>
-              <a:t>30/12/2018</a:t>
+              <a:t>16/01/2019</a:t>
             </a:fld>
             <a:endParaRPr lang="pt-BR"/>
           </a:p>
@@ -391,7 +395,7 @@
           <a:p>
             <a:fld id="{C8D94D05-F877-4447-A135-C5020AC71E43}" type="datetimeFigureOut">
               <a:rPr lang="pt-BR" smtClean="0"/>
-              <a:t>30/12/2018</a:t>
+              <a:t>16/01/2019</a:t>
             </a:fld>
             <a:endParaRPr lang="pt-BR"/>
           </a:p>
@@ -4709,6 +4713,1338 @@
     <p:extLst>
       <p:ext uri="{BB962C8B-B14F-4D97-AF65-F5344CB8AC3E}">
         <p14:creationId xmlns:p14="http://schemas.microsoft.com/office/powerpoint/2010/main" val="2902482972"/>
+      </p:ext>
+    </p:extLst>
+  </p:cSld>
+  <p:clrMapOvr>
+    <a:masterClrMapping/>
+  </p:clrMapOvr>
+</p:sld>
+</file>
+
+<file path=ppt/slides/slide4.xml><?xml version="1.0" encoding="utf-8"?>
+<p:sld xmlns:a="http://schemas.openxmlformats.org/drawingml/2006/main" xmlns:r="http://schemas.openxmlformats.org/officeDocument/2006/relationships" xmlns:p="http://schemas.openxmlformats.org/presentationml/2006/main">
+  <p:cSld>
+    <p:spTree>
+      <p:nvGrpSpPr>
+        <p:cNvPr id="1" name=""/>
+        <p:cNvGrpSpPr/>
+        <p:nvPr/>
+      </p:nvGrpSpPr>
+      <p:grpSpPr>
+        <a:xfrm>
+          <a:off x="0" y="0"/>
+          <a:ext cx="0" cy="0"/>
+          <a:chOff x="0" y="0"/>
+          <a:chExt cx="0" cy="0"/>
+        </a:xfrm>
+      </p:grpSpPr>
+      <p:sp>
+        <p:nvSpPr>
+          <p:cNvPr id="2" name="Título 1"/>
+          <p:cNvSpPr>
+            <a:spLocks noGrp="1"/>
+          </p:cNvSpPr>
+          <p:nvPr>
+            <p:ph type="title"/>
+          </p:nvPr>
+        </p:nvSpPr>
+        <p:spPr>
+          <a:xfrm>
+            <a:off x="688977" y="314325"/>
+            <a:ext cx="11225383" cy="1249230"/>
+          </a:xfrm>
+        </p:spPr>
+        <p:txBody>
+          <a:bodyPr>
+            <a:normAutofit fontScale="90000"/>
+          </a:bodyPr>
+          <a:lstStyle/>
+          <a:p>
+            <a:r>
+              <a:rPr lang="pt-BR" sz="4800" dirty="0"/>
+              <a:t>PARADIGMAS DE LING. DE PROGRAMAÇÃO</a:t>
+            </a:r>
+            <a:br>
+              <a:rPr lang="pt-BR" sz="4800" dirty="0"/>
+            </a:br>
+            <a:r>
+              <a:rPr lang="pt-BR" i="1" dirty="0">
+                <a:solidFill>
+                  <a:srgbClr val="0070C0"/>
+                </a:solidFill>
+              </a:rPr>
+              <a:t>1 - Introdução ao tratamento de exceções</a:t>
+            </a:r>
+            <a:endParaRPr lang="pt-BR" b="1" dirty="0"/>
+          </a:p>
+        </p:txBody>
+      </p:sp>
+      <p:sp>
+        <p:nvSpPr>
+          <p:cNvPr id="3" name="Espaço Reservado para Conteúdo 2"/>
+          <p:cNvSpPr>
+            <a:spLocks noGrp="1"/>
+          </p:cNvSpPr>
+          <p:nvPr>
+            <p:ph idx="1"/>
+          </p:nvPr>
+        </p:nvSpPr>
+        <p:spPr>
+          <a:xfrm>
+            <a:off x="1484310" y="1563555"/>
+            <a:ext cx="10018713" cy="4792795"/>
+          </a:xfrm>
+        </p:spPr>
+        <p:txBody>
+          <a:bodyPr>
+            <a:normAutofit/>
+          </a:bodyPr>
+          <a:lstStyle/>
+          <a:p>
+            <a:r>
+              <a:rPr lang="pt-BR" sz="4000" b="1" dirty="0"/>
+              <a:t>Conceitos básicos</a:t>
+            </a:r>
+          </a:p>
+          <a:p>
+            <a:r>
+              <a:rPr lang="pt-BR" sz="4000" b="1" dirty="0"/>
+              <a:t>Questões de projeto</a:t>
+            </a:r>
+            <a:endParaRPr lang="pt-BR" sz="7200" b="1" dirty="0"/>
+          </a:p>
+          <a:p>
+            <a:endParaRPr lang="pt-BR" sz="4400" b="1" i="1" dirty="0">
+              <a:solidFill>
+                <a:srgbClr val="0070C0"/>
+              </a:solidFill>
+            </a:endParaRPr>
+          </a:p>
+        </p:txBody>
+      </p:sp>
+      <p:sp>
+        <p:nvSpPr>
+          <p:cNvPr id="5" name="Espaço Reservado para Rodapé 4"/>
+          <p:cNvSpPr>
+            <a:spLocks noGrp="1"/>
+          </p:cNvSpPr>
+          <p:nvPr>
+            <p:ph type="ftr" sz="quarter" idx="11"/>
+          </p:nvPr>
+        </p:nvSpPr>
+        <p:spPr/>
+        <p:txBody>
+          <a:bodyPr/>
+          <a:lstStyle/>
+          <a:p>
+            <a:pPr marL="0" marR="0" lvl="0" indent="0" algn="ctr" defTabSz="914400" rtl="0" eaLnBrk="1" fontAlgn="auto" latinLnBrk="0" hangingPunct="1">
+              <a:lnSpc>
+                <a:spcPct val="100000"/>
+              </a:lnSpc>
+              <a:spcBef>
+                <a:spcPts val="0"/>
+              </a:spcBef>
+              <a:spcAft>
+                <a:spcPts val="0"/>
+              </a:spcAft>
+              <a:buClrTx/>
+              <a:buSzTx/>
+              <a:buFontTx/>
+              <a:buNone/>
+              <a:tabLst/>
+              <a:defRPr/>
+            </a:pPr>
+            <a:r>
+              <a:rPr kumimoji="0" lang="pt-BR" sz="1100" b="0" i="0" u="none" strike="noStrike" kern="1200" cap="none" spc="0" normalizeH="0" baseline="0" noProof="0" dirty="0">
+                <a:ln>
+                  <a:noFill/>
+                </a:ln>
+                <a:solidFill>
+                  <a:prstClr val="black">
+                    <a:lumMod val="65000"/>
+                    <a:lumOff val="35000"/>
+                  </a:prstClr>
+                </a:solidFill>
+                <a:effectLst/>
+                <a:uLnTx/>
+                <a:uFillTx/>
+                <a:latin typeface="Calibri"/>
+                <a:ea typeface="+mn-ea"/>
+                <a:cs typeface="+mn-cs"/>
+              </a:rPr>
+              <a:t>Fundamentos de Linguagens de Programação - André L. Braga</a:t>
+            </a:r>
+          </a:p>
+        </p:txBody>
+      </p:sp>
+      <p:sp>
+        <p:nvSpPr>
+          <p:cNvPr id="4" name="Espaço Reservado para Número de Slide 3"/>
+          <p:cNvSpPr>
+            <a:spLocks noGrp="1"/>
+          </p:cNvSpPr>
+          <p:nvPr>
+            <p:ph type="sldNum" sz="quarter" idx="12"/>
+          </p:nvPr>
+        </p:nvSpPr>
+        <p:spPr/>
+        <p:txBody>
+          <a:bodyPr/>
+          <a:lstStyle/>
+          <a:p>
+            <a:pPr marL="0" marR="0" lvl="0" indent="0" algn="r" defTabSz="914400" rtl="0" eaLnBrk="1" fontAlgn="auto" latinLnBrk="0" hangingPunct="1">
+              <a:lnSpc>
+                <a:spcPct val="100000"/>
+              </a:lnSpc>
+              <a:spcBef>
+                <a:spcPts val="0"/>
+              </a:spcBef>
+              <a:spcAft>
+                <a:spcPts val="0"/>
+              </a:spcAft>
+              <a:buClrTx/>
+              <a:buSzTx/>
+              <a:buFontTx/>
+              <a:buNone/>
+              <a:tabLst/>
+              <a:defRPr/>
+            </a:pPr>
+            <a:fld id="{733E8BE4-D61F-4D52-A9A4-24AB47FC0B80}" type="slidenum">
+              <a:rPr kumimoji="0" lang="pt-BR" sz="1100" b="0" i="0" u="none" strike="noStrike" kern="1200" cap="none" spc="0" normalizeH="0" baseline="0" noProof="0" smtClean="0">
+                <a:ln>
+                  <a:noFill/>
+                </a:ln>
+                <a:solidFill>
+                  <a:prstClr val="black">
+                    <a:tint val="75000"/>
+                  </a:prstClr>
+                </a:solidFill>
+                <a:effectLst/>
+                <a:uLnTx/>
+                <a:uFillTx/>
+                <a:latin typeface="Calibri"/>
+                <a:ea typeface="+mn-ea"/>
+                <a:cs typeface="+mn-cs"/>
+              </a:rPr>
+              <a:pPr marL="0" marR="0" lvl="0" indent="0" algn="r" defTabSz="914400" rtl="0" eaLnBrk="1" fontAlgn="auto" latinLnBrk="0" hangingPunct="1">
+                <a:lnSpc>
+                  <a:spcPct val="100000"/>
+                </a:lnSpc>
+                <a:spcBef>
+                  <a:spcPts val="0"/>
+                </a:spcBef>
+                <a:spcAft>
+                  <a:spcPts val="0"/>
+                </a:spcAft>
+                <a:buClrTx/>
+                <a:buSzTx/>
+                <a:buFontTx/>
+                <a:buNone/>
+                <a:tabLst/>
+                <a:defRPr/>
+              </a:pPr>
+              <a:t>4</a:t>
+            </a:fld>
+            <a:endParaRPr kumimoji="0" lang="pt-BR" sz="1100" b="0" i="0" u="none" strike="noStrike" kern="1200" cap="none" spc="0" normalizeH="0" baseline="0" noProof="0">
+              <a:ln>
+                <a:noFill/>
+              </a:ln>
+              <a:solidFill>
+                <a:prstClr val="black">
+                  <a:tint val="75000"/>
+                </a:prstClr>
+              </a:solidFill>
+              <a:effectLst/>
+              <a:uLnTx/>
+              <a:uFillTx/>
+              <a:latin typeface="Calibri"/>
+              <a:ea typeface="+mn-ea"/>
+              <a:cs typeface="+mn-cs"/>
+            </a:endParaRPr>
+          </a:p>
+        </p:txBody>
+      </p:sp>
+      <p:sp>
+        <p:nvSpPr>
+          <p:cNvPr id="6" name="Espaço Reservado para Data 5">
+            <a:extLst>
+              <a:ext uri="{FF2B5EF4-FFF2-40B4-BE49-F238E27FC236}">
+                <a16:creationId xmlns:a16="http://schemas.microsoft.com/office/drawing/2014/main" id="{E886120B-633C-479A-9C76-7F3FA8034CB0}"/>
+              </a:ext>
+            </a:extLst>
+          </p:cNvPr>
+          <p:cNvSpPr>
+            <a:spLocks noGrp="1"/>
+          </p:cNvSpPr>
+          <p:nvPr>
+            <p:ph type="dt" sz="half" idx="10"/>
+          </p:nvPr>
+        </p:nvSpPr>
+        <p:spPr/>
+        <p:txBody>
+          <a:bodyPr/>
+          <a:lstStyle/>
+          <a:p>
+            <a:pPr marL="0" marR="0" lvl="0" indent="0" algn="l" defTabSz="914400" rtl="0" eaLnBrk="1" fontAlgn="auto" latinLnBrk="0" hangingPunct="1">
+              <a:lnSpc>
+                <a:spcPct val="100000"/>
+              </a:lnSpc>
+              <a:spcBef>
+                <a:spcPts val="0"/>
+              </a:spcBef>
+              <a:spcAft>
+                <a:spcPts val="0"/>
+              </a:spcAft>
+              <a:buClrTx/>
+              <a:buSzTx/>
+              <a:buFontTx/>
+              <a:buNone/>
+              <a:tabLst/>
+              <a:defRPr/>
+            </a:pPr>
+            <a:r>
+              <a:rPr kumimoji="0" lang="pt-BR" sz="1100" b="0" i="0" u="none" strike="noStrike" kern="1200" cap="none" spc="0" normalizeH="0" baseline="0" noProof="0">
+                <a:ln>
+                  <a:noFill/>
+                </a:ln>
+                <a:solidFill>
+                  <a:prstClr val="black">
+                    <a:lumMod val="65000"/>
+                    <a:lumOff val="35000"/>
+                  </a:prstClr>
+                </a:solidFill>
+                <a:effectLst/>
+                <a:uLnTx/>
+                <a:uFillTx/>
+                <a:latin typeface="Calibri"/>
+                <a:ea typeface="+mn-ea"/>
+                <a:cs typeface="+mn-cs"/>
+              </a:rPr>
+              <a:t>2019 - 1</a:t>
+            </a:r>
+          </a:p>
+        </p:txBody>
+      </p:sp>
+    </p:spTree>
+    <p:extLst>
+      <p:ext uri="{BB962C8B-B14F-4D97-AF65-F5344CB8AC3E}">
+        <p14:creationId xmlns:p14="http://schemas.microsoft.com/office/powerpoint/2010/main" val="1911115836"/>
+      </p:ext>
+    </p:extLst>
+  </p:cSld>
+  <p:clrMapOvr>
+    <a:masterClrMapping/>
+  </p:clrMapOvr>
+</p:sld>
+</file>
+
+<file path=ppt/slides/slide5.xml><?xml version="1.0" encoding="utf-8"?>
+<p:sld xmlns:a="http://schemas.openxmlformats.org/drawingml/2006/main" xmlns:r="http://schemas.openxmlformats.org/officeDocument/2006/relationships" xmlns:p="http://schemas.openxmlformats.org/presentationml/2006/main">
+  <p:cSld>
+    <p:spTree>
+      <p:nvGrpSpPr>
+        <p:cNvPr id="1" name=""/>
+        <p:cNvGrpSpPr/>
+        <p:nvPr/>
+      </p:nvGrpSpPr>
+      <p:grpSpPr>
+        <a:xfrm>
+          <a:off x="0" y="0"/>
+          <a:ext cx="0" cy="0"/>
+          <a:chOff x="0" y="0"/>
+          <a:chExt cx="0" cy="0"/>
+        </a:xfrm>
+      </p:grpSpPr>
+      <p:sp>
+        <p:nvSpPr>
+          <p:cNvPr id="2" name="Título 1"/>
+          <p:cNvSpPr>
+            <a:spLocks noGrp="1"/>
+          </p:cNvSpPr>
+          <p:nvPr>
+            <p:ph type="title"/>
+          </p:nvPr>
+        </p:nvSpPr>
+        <p:spPr>
+          <a:xfrm>
+            <a:off x="688977" y="314325"/>
+            <a:ext cx="11225383" cy="1249230"/>
+          </a:xfrm>
+        </p:spPr>
+        <p:txBody>
+          <a:bodyPr>
+            <a:normAutofit fontScale="90000"/>
+          </a:bodyPr>
+          <a:lstStyle/>
+          <a:p>
+            <a:r>
+              <a:rPr lang="pt-BR" sz="4800" dirty="0"/>
+              <a:t>PARADIGMAS DE LING. DE PROGRAMAÇÃO</a:t>
+            </a:r>
+            <a:br>
+              <a:rPr lang="pt-BR" sz="4800" dirty="0"/>
+            </a:br>
+            <a:r>
+              <a:rPr lang="pt-BR" i="1" dirty="0">
+                <a:solidFill>
+                  <a:srgbClr val="0070C0"/>
+                </a:solidFill>
+              </a:rPr>
+              <a:t>2 - Tratamento de exceções em C++</a:t>
+            </a:r>
+            <a:endParaRPr lang="pt-BR" b="1" dirty="0"/>
+          </a:p>
+        </p:txBody>
+      </p:sp>
+      <p:sp>
+        <p:nvSpPr>
+          <p:cNvPr id="3" name="Espaço Reservado para Conteúdo 2"/>
+          <p:cNvSpPr>
+            <a:spLocks noGrp="1"/>
+          </p:cNvSpPr>
+          <p:nvPr>
+            <p:ph idx="1"/>
+          </p:nvPr>
+        </p:nvSpPr>
+        <p:spPr>
+          <a:xfrm>
+            <a:off x="1484310" y="1563555"/>
+            <a:ext cx="10018713" cy="4792795"/>
+          </a:xfrm>
+        </p:spPr>
+        <p:txBody>
+          <a:bodyPr>
+            <a:normAutofit fontScale="92500" lnSpcReduction="10000"/>
+          </a:bodyPr>
+          <a:lstStyle/>
+          <a:p>
+            <a:r>
+              <a:rPr lang="pt-BR" sz="5400" b="1" dirty="0"/>
+              <a:t>Tratadores de exceção</a:t>
+            </a:r>
+          </a:p>
+          <a:p>
+            <a:r>
+              <a:rPr lang="pt-BR" sz="5400" b="1" dirty="0"/>
+              <a:t>Vinculação de exceções e tratadores</a:t>
+            </a:r>
+          </a:p>
+          <a:p>
+            <a:r>
+              <a:rPr lang="pt-BR" sz="5400" b="1" dirty="0"/>
+              <a:t>Continuação (</a:t>
+            </a:r>
+            <a:r>
+              <a:rPr lang="pt-BR" sz="5400" b="1" dirty="0" err="1"/>
+              <a:t>try</a:t>
+            </a:r>
+            <a:r>
+              <a:rPr lang="pt-BR" sz="5400" b="1" dirty="0"/>
+              <a:t>)</a:t>
+            </a:r>
+          </a:p>
+          <a:p>
+            <a:r>
+              <a:rPr lang="pt-BR" sz="5400" b="1" dirty="0"/>
+              <a:t>Outras escolhas de projeto</a:t>
+            </a:r>
+          </a:p>
+          <a:p>
+            <a:r>
+              <a:rPr lang="pt-BR" sz="5400" b="1" dirty="0"/>
+              <a:t>Um exemplo</a:t>
+            </a:r>
+          </a:p>
+          <a:p>
+            <a:r>
+              <a:rPr lang="pt-BR" sz="5400" b="1" dirty="0"/>
+              <a:t>Avaliação</a:t>
+            </a:r>
+            <a:endParaRPr lang="pt-BR" sz="6000" b="1" i="1" dirty="0">
+              <a:solidFill>
+                <a:srgbClr val="0070C0"/>
+              </a:solidFill>
+            </a:endParaRPr>
+          </a:p>
+        </p:txBody>
+      </p:sp>
+      <p:sp>
+        <p:nvSpPr>
+          <p:cNvPr id="5" name="Espaço Reservado para Rodapé 4"/>
+          <p:cNvSpPr>
+            <a:spLocks noGrp="1"/>
+          </p:cNvSpPr>
+          <p:nvPr>
+            <p:ph type="ftr" sz="quarter" idx="11"/>
+          </p:nvPr>
+        </p:nvSpPr>
+        <p:spPr/>
+        <p:txBody>
+          <a:bodyPr/>
+          <a:lstStyle/>
+          <a:p>
+            <a:pPr marL="0" marR="0" lvl="0" indent="0" algn="ctr" defTabSz="914400" rtl="0" eaLnBrk="1" fontAlgn="auto" latinLnBrk="0" hangingPunct="1">
+              <a:lnSpc>
+                <a:spcPct val="100000"/>
+              </a:lnSpc>
+              <a:spcBef>
+                <a:spcPts val="0"/>
+              </a:spcBef>
+              <a:spcAft>
+                <a:spcPts val="0"/>
+              </a:spcAft>
+              <a:buClrTx/>
+              <a:buSzTx/>
+              <a:buFontTx/>
+              <a:buNone/>
+              <a:tabLst/>
+              <a:defRPr/>
+            </a:pPr>
+            <a:r>
+              <a:rPr kumimoji="0" lang="pt-BR" sz="1100" b="0" i="0" u="none" strike="noStrike" kern="1200" cap="none" spc="0" normalizeH="0" baseline="0" noProof="0" dirty="0">
+                <a:ln>
+                  <a:noFill/>
+                </a:ln>
+                <a:solidFill>
+                  <a:prstClr val="black">
+                    <a:lumMod val="65000"/>
+                    <a:lumOff val="35000"/>
+                  </a:prstClr>
+                </a:solidFill>
+                <a:effectLst/>
+                <a:uLnTx/>
+                <a:uFillTx/>
+                <a:latin typeface="Calibri"/>
+                <a:ea typeface="+mn-ea"/>
+                <a:cs typeface="+mn-cs"/>
+              </a:rPr>
+              <a:t>Fundamentos de Linguagens de Programação - André L. Braga</a:t>
+            </a:r>
+          </a:p>
+        </p:txBody>
+      </p:sp>
+      <p:sp>
+        <p:nvSpPr>
+          <p:cNvPr id="4" name="Espaço Reservado para Número de Slide 3"/>
+          <p:cNvSpPr>
+            <a:spLocks noGrp="1"/>
+          </p:cNvSpPr>
+          <p:nvPr>
+            <p:ph type="sldNum" sz="quarter" idx="12"/>
+          </p:nvPr>
+        </p:nvSpPr>
+        <p:spPr/>
+        <p:txBody>
+          <a:bodyPr/>
+          <a:lstStyle/>
+          <a:p>
+            <a:pPr marL="0" marR="0" lvl="0" indent="0" algn="r" defTabSz="914400" rtl="0" eaLnBrk="1" fontAlgn="auto" latinLnBrk="0" hangingPunct="1">
+              <a:lnSpc>
+                <a:spcPct val="100000"/>
+              </a:lnSpc>
+              <a:spcBef>
+                <a:spcPts val="0"/>
+              </a:spcBef>
+              <a:spcAft>
+                <a:spcPts val="0"/>
+              </a:spcAft>
+              <a:buClrTx/>
+              <a:buSzTx/>
+              <a:buFontTx/>
+              <a:buNone/>
+              <a:tabLst/>
+              <a:defRPr/>
+            </a:pPr>
+            <a:fld id="{733E8BE4-D61F-4D52-A9A4-24AB47FC0B80}" type="slidenum">
+              <a:rPr kumimoji="0" lang="pt-BR" sz="1100" b="0" i="0" u="none" strike="noStrike" kern="1200" cap="none" spc="0" normalizeH="0" baseline="0" noProof="0" smtClean="0">
+                <a:ln>
+                  <a:noFill/>
+                </a:ln>
+                <a:solidFill>
+                  <a:prstClr val="black">
+                    <a:tint val="75000"/>
+                  </a:prstClr>
+                </a:solidFill>
+                <a:effectLst/>
+                <a:uLnTx/>
+                <a:uFillTx/>
+                <a:latin typeface="Calibri"/>
+                <a:ea typeface="+mn-ea"/>
+                <a:cs typeface="+mn-cs"/>
+              </a:rPr>
+              <a:pPr marL="0" marR="0" lvl="0" indent="0" algn="r" defTabSz="914400" rtl="0" eaLnBrk="1" fontAlgn="auto" latinLnBrk="0" hangingPunct="1">
+                <a:lnSpc>
+                  <a:spcPct val="100000"/>
+                </a:lnSpc>
+                <a:spcBef>
+                  <a:spcPts val="0"/>
+                </a:spcBef>
+                <a:spcAft>
+                  <a:spcPts val="0"/>
+                </a:spcAft>
+                <a:buClrTx/>
+                <a:buSzTx/>
+                <a:buFontTx/>
+                <a:buNone/>
+                <a:tabLst/>
+                <a:defRPr/>
+              </a:pPr>
+              <a:t>5</a:t>
+            </a:fld>
+            <a:endParaRPr kumimoji="0" lang="pt-BR" sz="1100" b="0" i="0" u="none" strike="noStrike" kern="1200" cap="none" spc="0" normalizeH="0" baseline="0" noProof="0">
+              <a:ln>
+                <a:noFill/>
+              </a:ln>
+              <a:solidFill>
+                <a:prstClr val="black">
+                  <a:tint val="75000"/>
+                </a:prstClr>
+              </a:solidFill>
+              <a:effectLst/>
+              <a:uLnTx/>
+              <a:uFillTx/>
+              <a:latin typeface="Calibri"/>
+              <a:ea typeface="+mn-ea"/>
+              <a:cs typeface="+mn-cs"/>
+            </a:endParaRPr>
+          </a:p>
+        </p:txBody>
+      </p:sp>
+      <p:sp>
+        <p:nvSpPr>
+          <p:cNvPr id="6" name="Espaço Reservado para Data 5">
+            <a:extLst>
+              <a:ext uri="{FF2B5EF4-FFF2-40B4-BE49-F238E27FC236}">
+                <a16:creationId xmlns:a16="http://schemas.microsoft.com/office/drawing/2014/main" id="{E886120B-633C-479A-9C76-7F3FA8034CB0}"/>
+              </a:ext>
+            </a:extLst>
+          </p:cNvPr>
+          <p:cNvSpPr>
+            <a:spLocks noGrp="1"/>
+          </p:cNvSpPr>
+          <p:nvPr>
+            <p:ph type="dt" sz="half" idx="10"/>
+          </p:nvPr>
+        </p:nvSpPr>
+        <p:spPr/>
+        <p:txBody>
+          <a:bodyPr/>
+          <a:lstStyle/>
+          <a:p>
+            <a:pPr marL="0" marR="0" lvl="0" indent="0" algn="l" defTabSz="914400" rtl="0" eaLnBrk="1" fontAlgn="auto" latinLnBrk="0" hangingPunct="1">
+              <a:lnSpc>
+                <a:spcPct val="100000"/>
+              </a:lnSpc>
+              <a:spcBef>
+                <a:spcPts val="0"/>
+              </a:spcBef>
+              <a:spcAft>
+                <a:spcPts val="0"/>
+              </a:spcAft>
+              <a:buClrTx/>
+              <a:buSzTx/>
+              <a:buFontTx/>
+              <a:buNone/>
+              <a:tabLst/>
+              <a:defRPr/>
+            </a:pPr>
+            <a:r>
+              <a:rPr kumimoji="0" lang="pt-BR" sz="1100" b="0" i="0" u="none" strike="noStrike" kern="1200" cap="none" spc="0" normalizeH="0" baseline="0" noProof="0">
+                <a:ln>
+                  <a:noFill/>
+                </a:ln>
+                <a:solidFill>
+                  <a:prstClr val="black">
+                    <a:lumMod val="65000"/>
+                    <a:lumOff val="35000"/>
+                  </a:prstClr>
+                </a:solidFill>
+                <a:effectLst/>
+                <a:uLnTx/>
+                <a:uFillTx/>
+                <a:latin typeface="Calibri"/>
+                <a:ea typeface="+mn-ea"/>
+                <a:cs typeface="+mn-cs"/>
+              </a:rPr>
+              <a:t>2019 - 1</a:t>
+            </a:r>
+          </a:p>
+        </p:txBody>
+      </p:sp>
+    </p:spTree>
+    <p:extLst>
+      <p:ext uri="{BB962C8B-B14F-4D97-AF65-F5344CB8AC3E}">
+        <p14:creationId xmlns:p14="http://schemas.microsoft.com/office/powerpoint/2010/main" val="2671052759"/>
+      </p:ext>
+    </p:extLst>
+  </p:cSld>
+  <p:clrMapOvr>
+    <a:masterClrMapping/>
+  </p:clrMapOvr>
+</p:sld>
+</file>
+
+<file path=ppt/slides/slide6.xml><?xml version="1.0" encoding="utf-8"?>
+<p:sld xmlns:a="http://schemas.openxmlformats.org/drawingml/2006/main" xmlns:r="http://schemas.openxmlformats.org/officeDocument/2006/relationships" xmlns:p="http://schemas.openxmlformats.org/presentationml/2006/main">
+  <p:cSld>
+    <p:spTree>
+      <p:nvGrpSpPr>
+        <p:cNvPr id="1" name=""/>
+        <p:cNvGrpSpPr/>
+        <p:nvPr/>
+      </p:nvGrpSpPr>
+      <p:grpSpPr>
+        <a:xfrm>
+          <a:off x="0" y="0"/>
+          <a:ext cx="0" cy="0"/>
+          <a:chOff x="0" y="0"/>
+          <a:chExt cx="0" cy="0"/>
+        </a:xfrm>
+      </p:grpSpPr>
+      <p:sp>
+        <p:nvSpPr>
+          <p:cNvPr id="2" name="Título 1"/>
+          <p:cNvSpPr>
+            <a:spLocks noGrp="1"/>
+          </p:cNvSpPr>
+          <p:nvPr>
+            <p:ph type="title"/>
+          </p:nvPr>
+        </p:nvSpPr>
+        <p:spPr>
+          <a:xfrm>
+            <a:off x="688977" y="314325"/>
+            <a:ext cx="11225383" cy="1249230"/>
+          </a:xfrm>
+        </p:spPr>
+        <p:txBody>
+          <a:bodyPr>
+            <a:normAutofit fontScale="90000"/>
+          </a:bodyPr>
+          <a:lstStyle/>
+          <a:p>
+            <a:r>
+              <a:rPr lang="pt-BR" sz="4800" dirty="0"/>
+              <a:t>PARADIGMAS DE LING. DE PROGRAMAÇÃO</a:t>
+            </a:r>
+            <a:br>
+              <a:rPr lang="pt-BR" sz="4800" dirty="0"/>
+            </a:br>
+            <a:r>
+              <a:rPr lang="pt-BR" i="1" dirty="0">
+                <a:solidFill>
+                  <a:srgbClr val="0070C0"/>
+                </a:solidFill>
+              </a:rPr>
+              <a:t>3 - Tratamento de exceções em JAVA</a:t>
+            </a:r>
+            <a:endParaRPr lang="pt-BR" b="1" dirty="0"/>
+          </a:p>
+        </p:txBody>
+      </p:sp>
+      <p:sp>
+        <p:nvSpPr>
+          <p:cNvPr id="3" name="Espaço Reservado para Conteúdo 2"/>
+          <p:cNvSpPr>
+            <a:spLocks noGrp="1"/>
+          </p:cNvSpPr>
+          <p:nvPr>
+            <p:ph idx="1"/>
+          </p:nvPr>
+        </p:nvSpPr>
+        <p:spPr>
+          <a:xfrm>
+            <a:off x="1484310" y="1563555"/>
+            <a:ext cx="10018713" cy="4792795"/>
+          </a:xfrm>
+        </p:spPr>
+        <p:txBody>
+          <a:bodyPr>
+            <a:normAutofit fontScale="92500" lnSpcReduction="10000"/>
+          </a:bodyPr>
+          <a:lstStyle/>
+          <a:p>
+            <a:r>
+              <a:rPr lang="pt-BR" sz="4000" b="1" dirty="0"/>
+              <a:t>Classes de exceções</a:t>
+            </a:r>
+          </a:p>
+          <a:p>
+            <a:r>
+              <a:rPr lang="pt-BR" sz="4000" b="1" dirty="0"/>
+              <a:t>Tratadores de exceção</a:t>
+            </a:r>
+          </a:p>
+          <a:p>
+            <a:r>
+              <a:rPr lang="pt-BR" sz="4000" b="1" dirty="0"/>
+              <a:t>Vinculação de exceções a tratadores</a:t>
+            </a:r>
+          </a:p>
+          <a:p>
+            <a:r>
+              <a:rPr lang="pt-BR" sz="4000" b="1" dirty="0"/>
+              <a:t>Outras escolhas de projeto</a:t>
+            </a:r>
+          </a:p>
+          <a:p>
+            <a:r>
+              <a:rPr lang="pt-BR" sz="4000" b="1" dirty="0"/>
+              <a:t>Um exemplo</a:t>
+            </a:r>
+          </a:p>
+          <a:p>
+            <a:r>
+              <a:rPr lang="pt-BR" sz="4000" b="1" dirty="0"/>
+              <a:t>A cláusula </a:t>
+            </a:r>
+            <a:r>
+              <a:rPr lang="pt-BR" sz="4000" b="1" i="1" dirty="0" err="1"/>
+              <a:t>finally</a:t>
+            </a:r>
+            <a:endParaRPr lang="pt-BR" sz="4000" b="1" i="1" dirty="0"/>
+          </a:p>
+          <a:p>
+            <a:r>
+              <a:rPr lang="pt-BR" sz="4000" b="1" dirty="0"/>
+              <a:t>Asserções</a:t>
+            </a:r>
+          </a:p>
+          <a:p>
+            <a:r>
+              <a:rPr lang="pt-BR" sz="4000" b="1" dirty="0"/>
+              <a:t>Avaliação</a:t>
+            </a:r>
+            <a:endParaRPr lang="pt-BR" sz="5400" b="1" dirty="0"/>
+          </a:p>
+          <a:p>
+            <a:endParaRPr lang="pt-BR" sz="4400" b="1" i="1" dirty="0">
+              <a:solidFill>
+                <a:srgbClr val="0070C0"/>
+              </a:solidFill>
+            </a:endParaRPr>
+          </a:p>
+        </p:txBody>
+      </p:sp>
+      <p:sp>
+        <p:nvSpPr>
+          <p:cNvPr id="5" name="Espaço Reservado para Rodapé 4"/>
+          <p:cNvSpPr>
+            <a:spLocks noGrp="1"/>
+          </p:cNvSpPr>
+          <p:nvPr>
+            <p:ph type="ftr" sz="quarter" idx="11"/>
+          </p:nvPr>
+        </p:nvSpPr>
+        <p:spPr/>
+        <p:txBody>
+          <a:bodyPr/>
+          <a:lstStyle/>
+          <a:p>
+            <a:pPr marL="0" marR="0" lvl="0" indent="0" algn="ctr" defTabSz="914400" rtl="0" eaLnBrk="1" fontAlgn="auto" latinLnBrk="0" hangingPunct="1">
+              <a:lnSpc>
+                <a:spcPct val="100000"/>
+              </a:lnSpc>
+              <a:spcBef>
+                <a:spcPts val="0"/>
+              </a:spcBef>
+              <a:spcAft>
+                <a:spcPts val="0"/>
+              </a:spcAft>
+              <a:buClrTx/>
+              <a:buSzTx/>
+              <a:buFontTx/>
+              <a:buNone/>
+              <a:tabLst/>
+              <a:defRPr/>
+            </a:pPr>
+            <a:r>
+              <a:rPr kumimoji="0" lang="pt-BR" sz="1100" b="0" i="0" u="none" strike="noStrike" kern="1200" cap="none" spc="0" normalizeH="0" baseline="0" noProof="0" dirty="0">
+                <a:ln>
+                  <a:noFill/>
+                </a:ln>
+                <a:solidFill>
+                  <a:prstClr val="black">
+                    <a:lumMod val="65000"/>
+                    <a:lumOff val="35000"/>
+                  </a:prstClr>
+                </a:solidFill>
+                <a:effectLst/>
+                <a:uLnTx/>
+                <a:uFillTx/>
+                <a:latin typeface="Calibri"/>
+                <a:ea typeface="+mn-ea"/>
+                <a:cs typeface="+mn-cs"/>
+              </a:rPr>
+              <a:t>Fundamentos de Linguagens de Programação - André L. Braga</a:t>
+            </a:r>
+          </a:p>
+        </p:txBody>
+      </p:sp>
+      <p:sp>
+        <p:nvSpPr>
+          <p:cNvPr id="4" name="Espaço Reservado para Número de Slide 3"/>
+          <p:cNvSpPr>
+            <a:spLocks noGrp="1"/>
+          </p:cNvSpPr>
+          <p:nvPr>
+            <p:ph type="sldNum" sz="quarter" idx="12"/>
+          </p:nvPr>
+        </p:nvSpPr>
+        <p:spPr/>
+        <p:txBody>
+          <a:bodyPr/>
+          <a:lstStyle/>
+          <a:p>
+            <a:pPr marL="0" marR="0" lvl="0" indent="0" algn="r" defTabSz="914400" rtl="0" eaLnBrk="1" fontAlgn="auto" latinLnBrk="0" hangingPunct="1">
+              <a:lnSpc>
+                <a:spcPct val="100000"/>
+              </a:lnSpc>
+              <a:spcBef>
+                <a:spcPts val="0"/>
+              </a:spcBef>
+              <a:spcAft>
+                <a:spcPts val="0"/>
+              </a:spcAft>
+              <a:buClrTx/>
+              <a:buSzTx/>
+              <a:buFontTx/>
+              <a:buNone/>
+              <a:tabLst/>
+              <a:defRPr/>
+            </a:pPr>
+            <a:fld id="{733E8BE4-D61F-4D52-A9A4-24AB47FC0B80}" type="slidenum">
+              <a:rPr kumimoji="0" lang="pt-BR" sz="1100" b="0" i="0" u="none" strike="noStrike" kern="1200" cap="none" spc="0" normalizeH="0" baseline="0" noProof="0" smtClean="0">
+                <a:ln>
+                  <a:noFill/>
+                </a:ln>
+                <a:solidFill>
+                  <a:prstClr val="black">
+                    <a:tint val="75000"/>
+                  </a:prstClr>
+                </a:solidFill>
+                <a:effectLst/>
+                <a:uLnTx/>
+                <a:uFillTx/>
+                <a:latin typeface="Calibri"/>
+                <a:ea typeface="+mn-ea"/>
+                <a:cs typeface="+mn-cs"/>
+              </a:rPr>
+              <a:pPr marL="0" marR="0" lvl="0" indent="0" algn="r" defTabSz="914400" rtl="0" eaLnBrk="1" fontAlgn="auto" latinLnBrk="0" hangingPunct="1">
+                <a:lnSpc>
+                  <a:spcPct val="100000"/>
+                </a:lnSpc>
+                <a:spcBef>
+                  <a:spcPts val="0"/>
+                </a:spcBef>
+                <a:spcAft>
+                  <a:spcPts val="0"/>
+                </a:spcAft>
+                <a:buClrTx/>
+                <a:buSzTx/>
+                <a:buFontTx/>
+                <a:buNone/>
+                <a:tabLst/>
+                <a:defRPr/>
+              </a:pPr>
+              <a:t>6</a:t>
+            </a:fld>
+            <a:endParaRPr kumimoji="0" lang="pt-BR" sz="1100" b="0" i="0" u="none" strike="noStrike" kern="1200" cap="none" spc="0" normalizeH="0" baseline="0" noProof="0">
+              <a:ln>
+                <a:noFill/>
+              </a:ln>
+              <a:solidFill>
+                <a:prstClr val="black">
+                  <a:tint val="75000"/>
+                </a:prstClr>
+              </a:solidFill>
+              <a:effectLst/>
+              <a:uLnTx/>
+              <a:uFillTx/>
+              <a:latin typeface="Calibri"/>
+              <a:ea typeface="+mn-ea"/>
+              <a:cs typeface="+mn-cs"/>
+            </a:endParaRPr>
+          </a:p>
+        </p:txBody>
+      </p:sp>
+      <p:sp>
+        <p:nvSpPr>
+          <p:cNvPr id="6" name="Espaço Reservado para Data 5">
+            <a:extLst>
+              <a:ext uri="{FF2B5EF4-FFF2-40B4-BE49-F238E27FC236}">
+                <a16:creationId xmlns:a16="http://schemas.microsoft.com/office/drawing/2014/main" id="{E886120B-633C-479A-9C76-7F3FA8034CB0}"/>
+              </a:ext>
+            </a:extLst>
+          </p:cNvPr>
+          <p:cNvSpPr>
+            <a:spLocks noGrp="1"/>
+          </p:cNvSpPr>
+          <p:nvPr>
+            <p:ph type="dt" sz="half" idx="10"/>
+          </p:nvPr>
+        </p:nvSpPr>
+        <p:spPr/>
+        <p:txBody>
+          <a:bodyPr/>
+          <a:lstStyle/>
+          <a:p>
+            <a:pPr marL="0" marR="0" lvl="0" indent="0" algn="l" defTabSz="914400" rtl="0" eaLnBrk="1" fontAlgn="auto" latinLnBrk="0" hangingPunct="1">
+              <a:lnSpc>
+                <a:spcPct val="100000"/>
+              </a:lnSpc>
+              <a:spcBef>
+                <a:spcPts val="0"/>
+              </a:spcBef>
+              <a:spcAft>
+                <a:spcPts val="0"/>
+              </a:spcAft>
+              <a:buClrTx/>
+              <a:buSzTx/>
+              <a:buFontTx/>
+              <a:buNone/>
+              <a:tabLst/>
+              <a:defRPr/>
+            </a:pPr>
+            <a:r>
+              <a:rPr kumimoji="0" lang="pt-BR" sz="1100" b="0" i="0" u="none" strike="noStrike" kern="1200" cap="none" spc="0" normalizeH="0" baseline="0" noProof="0">
+                <a:ln>
+                  <a:noFill/>
+                </a:ln>
+                <a:solidFill>
+                  <a:prstClr val="black">
+                    <a:lumMod val="65000"/>
+                    <a:lumOff val="35000"/>
+                  </a:prstClr>
+                </a:solidFill>
+                <a:effectLst/>
+                <a:uLnTx/>
+                <a:uFillTx/>
+                <a:latin typeface="Calibri"/>
+                <a:ea typeface="+mn-ea"/>
+                <a:cs typeface="+mn-cs"/>
+              </a:rPr>
+              <a:t>2019 - 1</a:t>
+            </a:r>
+          </a:p>
+        </p:txBody>
+      </p:sp>
+    </p:spTree>
+    <p:extLst>
+      <p:ext uri="{BB962C8B-B14F-4D97-AF65-F5344CB8AC3E}">
+        <p14:creationId xmlns:p14="http://schemas.microsoft.com/office/powerpoint/2010/main" val="526320548"/>
+      </p:ext>
+    </p:extLst>
+  </p:cSld>
+  <p:clrMapOvr>
+    <a:masterClrMapping/>
+  </p:clrMapOvr>
+</p:sld>
+</file>
+
+<file path=ppt/slides/slide7.xml><?xml version="1.0" encoding="utf-8"?>
+<p:sld xmlns:a="http://schemas.openxmlformats.org/drawingml/2006/main" xmlns:r="http://schemas.openxmlformats.org/officeDocument/2006/relationships" xmlns:p="http://schemas.openxmlformats.org/presentationml/2006/main">
+  <p:cSld>
+    <p:spTree>
+      <p:nvGrpSpPr>
+        <p:cNvPr id="1" name=""/>
+        <p:cNvGrpSpPr/>
+        <p:nvPr/>
+      </p:nvGrpSpPr>
+      <p:grpSpPr>
+        <a:xfrm>
+          <a:off x="0" y="0"/>
+          <a:ext cx="0" cy="0"/>
+          <a:chOff x="0" y="0"/>
+          <a:chExt cx="0" cy="0"/>
+        </a:xfrm>
+      </p:grpSpPr>
+      <p:sp>
+        <p:nvSpPr>
+          <p:cNvPr id="2" name="Título 1"/>
+          <p:cNvSpPr>
+            <a:spLocks noGrp="1"/>
+          </p:cNvSpPr>
+          <p:nvPr>
+            <p:ph type="title"/>
+          </p:nvPr>
+        </p:nvSpPr>
+        <p:spPr>
+          <a:xfrm>
+            <a:off x="688977" y="314325"/>
+            <a:ext cx="11225383" cy="1249230"/>
+          </a:xfrm>
+        </p:spPr>
+        <p:txBody>
+          <a:bodyPr>
+            <a:normAutofit fontScale="90000"/>
+          </a:bodyPr>
+          <a:lstStyle/>
+          <a:p>
+            <a:r>
+              <a:rPr lang="pt-BR" sz="4800" dirty="0"/>
+              <a:t>PARADIGMAS DE LING. DE PROGRAMAÇÃO</a:t>
+            </a:r>
+            <a:br>
+              <a:rPr lang="pt-BR" sz="4800" dirty="0"/>
+            </a:br>
+            <a:r>
+              <a:rPr lang="pt-BR" i="1" dirty="0">
+                <a:solidFill>
+                  <a:srgbClr val="0070C0"/>
+                </a:solidFill>
+              </a:rPr>
+              <a:t>4 - Tratamento de exceções em Python</a:t>
+            </a:r>
+            <a:endParaRPr lang="pt-BR" b="1" dirty="0"/>
+          </a:p>
+        </p:txBody>
+      </p:sp>
+      <p:sp>
+        <p:nvSpPr>
+          <p:cNvPr id="3" name="Espaço Reservado para Conteúdo 2"/>
+          <p:cNvSpPr>
+            <a:spLocks noGrp="1"/>
+          </p:cNvSpPr>
+          <p:nvPr>
+            <p:ph idx="1"/>
+          </p:nvPr>
+        </p:nvSpPr>
+        <p:spPr>
+          <a:xfrm>
+            <a:off x="1484310" y="1563555"/>
+            <a:ext cx="10018713" cy="4792795"/>
+          </a:xfrm>
+        </p:spPr>
+        <p:txBody>
+          <a:bodyPr>
+            <a:normAutofit/>
+          </a:bodyPr>
+          <a:lstStyle/>
+          <a:p>
+            <a:r>
+              <a:rPr lang="pt-BR" sz="4000" b="1" dirty="0"/>
+              <a:t>..</a:t>
+            </a:r>
+            <a:endParaRPr lang="pt-BR" sz="5400" b="1" dirty="0"/>
+          </a:p>
+          <a:p>
+            <a:endParaRPr lang="pt-BR" sz="4400" b="1" i="1" dirty="0">
+              <a:solidFill>
+                <a:srgbClr val="0070C0"/>
+              </a:solidFill>
+            </a:endParaRPr>
+          </a:p>
+        </p:txBody>
+      </p:sp>
+      <p:sp>
+        <p:nvSpPr>
+          <p:cNvPr id="5" name="Espaço Reservado para Rodapé 4"/>
+          <p:cNvSpPr>
+            <a:spLocks noGrp="1"/>
+          </p:cNvSpPr>
+          <p:nvPr>
+            <p:ph type="ftr" sz="quarter" idx="11"/>
+          </p:nvPr>
+        </p:nvSpPr>
+        <p:spPr/>
+        <p:txBody>
+          <a:bodyPr/>
+          <a:lstStyle/>
+          <a:p>
+            <a:pPr marL="0" marR="0" lvl="0" indent="0" algn="ctr" defTabSz="914400" rtl="0" eaLnBrk="1" fontAlgn="auto" latinLnBrk="0" hangingPunct="1">
+              <a:lnSpc>
+                <a:spcPct val="100000"/>
+              </a:lnSpc>
+              <a:spcBef>
+                <a:spcPts val="0"/>
+              </a:spcBef>
+              <a:spcAft>
+                <a:spcPts val="0"/>
+              </a:spcAft>
+              <a:buClrTx/>
+              <a:buSzTx/>
+              <a:buFontTx/>
+              <a:buNone/>
+              <a:tabLst/>
+              <a:defRPr/>
+            </a:pPr>
+            <a:r>
+              <a:rPr kumimoji="0" lang="pt-BR" sz="1100" b="0" i="0" u="none" strike="noStrike" kern="1200" cap="none" spc="0" normalizeH="0" baseline="0" noProof="0" dirty="0">
+                <a:ln>
+                  <a:noFill/>
+                </a:ln>
+                <a:solidFill>
+                  <a:prstClr val="black">
+                    <a:lumMod val="65000"/>
+                    <a:lumOff val="35000"/>
+                  </a:prstClr>
+                </a:solidFill>
+                <a:effectLst/>
+                <a:uLnTx/>
+                <a:uFillTx/>
+                <a:latin typeface="Calibri"/>
+                <a:ea typeface="+mn-ea"/>
+                <a:cs typeface="+mn-cs"/>
+              </a:rPr>
+              <a:t>Fundamentos de Linguagens de Programação - André L. Braga</a:t>
+            </a:r>
+          </a:p>
+        </p:txBody>
+      </p:sp>
+      <p:sp>
+        <p:nvSpPr>
+          <p:cNvPr id="4" name="Espaço Reservado para Número de Slide 3"/>
+          <p:cNvSpPr>
+            <a:spLocks noGrp="1"/>
+          </p:cNvSpPr>
+          <p:nvPr>
+            <p:ph type="sldNum" sz="quarter" idx="12"/>
+          </p:nvPr>
+        </p:nvSpPr>
+        <p:spPr/>
+        <p:txBody>
+          <a:bodyPr/>
+          <a:lstStyle/>
+          <a:p>
+            <a:pPr marL="0" marR="0" lvl="0" indent="0" algn="r" defTabSz="914400" rtl="0" eaLnBrk="1" fontAlgn="auto" latinLnBrk="0" hangingPunct="1">
+              <a:lnSpc>
+                <a:spcPct val="100000"/>
+              </a:lnSpc>
+              <a:spcBef>
+                <a:spcPts val="0"/>
+              </a:spcBef>
+              <a:spcAft>
+                <a:spcPts val="0"/>
+              </a:spcAft>
+              <a:buClrTx/>
+              <a:buSzTx/>
+              <a:buFontTx/>
+              <a:buNone/>
+              <a:tabLst/>
+              <a:defRPr/>
+            </a:pPr>
+            <a:fld id="{733E8BE4-D61F-4D52-A9A4-24AB47FC0B80}" type="slidenum">
+              <a:rPr kumimoji="0" lang="pt-BR" sz="1100" b="0" i="0" u="none" strike="noStrike" kern="1200" cap="none" spc="0" normalizeH="0" baseline="0" noProof="0" smtClean="0">
+                <a:ln>
+                  <a:noFill/>
+                </a:ln>
+                <a:solidFill>
+                  <a:prstClr val="black">
+                    <a:tint val="75000"/>
+                  </a:prstClr>
+                </a:solidFill>
+                <a:effectLst/>
+                <a:uLnTx/>
+                <a:uFillTx/>
+                <a:latin typeface="Calibri"/>
+                <a:ea typeface="+mn-ea"/>
+                <a:cs typeface="+mn-cs"/>
+              </a:rPr>
+              <a:pPr marL="0" marR="0" lvl="0" indent="0" algn="r" defTabSz="914400" rtl="0" eaLnBrk="1" fontAlgn="auto" latinLnBrk="0" hangingPunct="1">
+                <a:lnSpc>
+                  <a:spcPct val="100000"/>
+                </a:lnSpc>
+                <a:spcBef>
+                  <a:spcPts val="0"/>
+                </a:spcBef>
+                <a:spcAft>
+                  <a:spcPts val="0"/>
+                </a:spcAft>
+                <a:buClrTx/>
+                <a:buSzTx/>
+                <a:buFontTx/>
+                <a:buNone/>
+                <a:tabLst/>
+                <a:defRPr/>
+              </a:pPr>
+              <a:t>7</a:t>
+            </a:fld>
+            <a:endParaRPr kumimoji="0" lang="pt-BR" sz="1100" b="0" i="0" u="none" strike="noStrike" kern="1200" cap="none" spc="0" normalizeH="0" baseline="0" noProof="0">
+              <a:ln>
+                <a:noFill/>
+              </a:ln>
+              <a:solidFill>
+                <a:prstClr val="black">
+                  <a:tint val="75000"/>
+                </a:prstClr>
+              </a:solidFill>
+              <a:effectLst/>
+              <a:uLnTx/>
+              <a:uFillTx/>
+              <a:latin typeface="Calibri"/>
+              <a:ea typeface="+mn-ea"/>
+              <a:cs typeface="+mn-cs"/>
+            </a:endParaRPr>
+          </a:p>
+        </p:txBody>
+      </p:sp>
+      <p:sp>
+        <p:nvSpPr>
+          <p:cNvPr id="6" name="Espaço Reservado para Data 5">
+            <a:extLst>
+              <a:ext uri="{FF2B5EF4-FFF2-40B4-BE49-F238E27FC236}">
+                <a16:creationId xmlns:a16="http://schemas.microsoft.com/office/drawing/2014/main" id="{E886120B-633C-479A-9C76-7F3FA8034CB0}"/>
+              </a:ext>
+            </a:extLst>
+          </p:cNvPr>
+          <p:cNvSpPr>
+            <a:spLocks noGrp="1"/>
+          </p:cNvSpPr>
+          <p:nvPr>
+            <p:ph type="dt" sz="half" idx="10"/>
+          </p:nvPr>
+        </p:nvSpPr>
+        <p:spPr/>
+        <p:txBody>
+          <a:bodyPr/>
+          <a:lstStyle/>
+          <a:p>
+            <a:pPr marL="0" marR="0" lvl="0" indent="0" algn="l" defTabSz="914400" rtl="0" eaLnBrk="1" fontAlgn="auto" latinLnBrk="0" hangingPunct="1">
+              <a:lnSpc>
+                <a:spcPct val="100000"/>
+              </a:lnSpc>
+              <a:spcBef>
+                <a:spcPts val="0"/>
+              </a:spcBef>
+              <a:spcAft>
+                <a:spcPts val="0"/>
+              </a:spcAft>
+              <a:buClrTx/>
+              <a:buSzTx/>
+              <a:buFontTx/>
+              <a:buNone/>
+              <a:tabLst/>
+              <a:defRPr/>
+            </a:pPr>
+            <a:r>
+              <a:rPr kumimoji="0" lang="pt-BR" sz="1100" b="0" i="0" u="none" strike="noStrike" kern="1200" cap="none" spc="0" normalizeH="0" baseline="0" noProof="0">
+                <a:ln>
+                  <a:noFill/>
+                </a:ln>
+                <a:solidFill>
+                  <a:prstClr val="black">
+                    <a:lumMod val="65000"/>
+                    <a:lumOff val="35000"/>
+                  </a:prstClr>
+                </a:solidFill>
+                <a:effectLst/>
+                <a:uLnTx/>
+                <a:uFillTx/>
+                <a:latin typeface="Calibri"/>
+                <a:ea typeface="+mn-ea"/>
+                <a:cs typeface="+mn-cs"/>
+              </a:rPr>
+              <a:t>2019 - 1</a:t>
+            </a:r>
+          </a:p>
+        </p:txBody>
+      </p:sp>
+    </p:spTree>
+    <p:extLst>
+      <p:ext uri="{BB962C8B-B14F-4D97-AF65-F5344CB8AC3E}">
+        <p14:creationId xmlns:p14="http://schemas.microsoft.com/office/powerpoint/2010/main" val="2352962442"/>
       </p:ext>
     </p:extLst>
   </p:cSld>
